--- a/开学汇报/李云汉 开学汇报.pptx
+++ b/开学汇报/李云汉 开学汇报.pptx
@@ -204,7 +204,7 @@
           <a:p>
             <a:fld id="{E0486253-30F7-4A92-A733-070D5F3CFE0B}" type="datetimeFigureOut">
               <a:rPr lang="zh-SG" altLang="en-US" smtClean="0"/>
-              <a:t>28/2/2023</a:t>
+              <a:t>8/4/2023</a:t>
             </a:fld>
             <a:endParaRPr lang="zh-SG" altLang="en-US"/>
           </a:p>
@@ -705,7 +705,7 @@
           <a:p>
             <a:fld id="{36E73D1F-3176-4520-BDE7-8CC1C6F46FF4}" type="datetimeFigureOut">
               <a:rPr lang="zh-SG" altLang="en-US" smtClean="0"/>
-              <a:t>28/2/2023</a:t>
+              <a:t>8/4/2023</a:t>
             </a:fld>
             <a:endParaRPr lang="zh-SG" altLang="en-US"/>
           </a:p>
@@ -905,7 +905,7 @@
           <a:p>
             <a:fld id="{36E73D1F-3176-4520-BDE7-8CC1C6F46FF4}" type="datetimeFigureOut">
               <a:rPr lang="zh-SG" altLang="en-US" smtClean="0"/>
-              <a:t>28/2/2023</a:t>
+              <a:t>8/4/2023</a:t>
             </a:fld>
             <a:endParaRPr lang="zh-SG" altLang="en-US"/>
           </a:p>
@@ -1115,7 +1115,7 @@
           <a:p>
             <a:fld id="{36E73D1F-3176-4520-BDE7-8CC1C6F46FF4}" type="datetimeFigureOut">
               <a:rPr lang="zh-SG" altLang="en-US" smtClean="0"/>
-              <a:t>28/2/2023</a:t>
+              <a:t>8/4/2023</a:t>
             </a:fld>
             <a:endParaRPr lang="zh-SG" altLang="en-US"/>
           </a:p>
@@ -1315,7 +1315,7 @@
           <a:p>
             <a:fld id="{36E73D1F-3176-4520-BDE7-8CC1C6F46FF4}" type="datetimeFigureOut">
               <a:rPr lang="zh-SG" altLang="en-US" smtClean="0"/>
-              <a:t>28/2/2023</a:t>
+              <a:t>8/4/2023</a:t>
             </a:fld>
             <a:endParaRPr lang="zh-SG" altLang="en-US"/>
           </a:p>
@@ -1591,7 +1591,7 @@
           <a:p>
             <a:fld id="{36E73D1F-3176-4520-BDE7-8CC1C6F46FF4}" type="datetimeFigureOut">
               <a:rPr lang="zh-SG" altLang="en-US" smtClean="0"/>
-              <a:t>28/2/2023</a:t>
+              <a:t>8/4/2023</a:t>
             </a:fld>
             <a:endParaRPr lang="zh-SG" altLang="en-US"/>
           </a:p>
@@ -1859,7 +1859,7 @@
           <a:p>
             <a:fld id="{36E73D1F-3176-4520-BDE7-8CC1C6F46FF4}" type="datetimeFigureOut">
               <a:rPr lang="zh-SG" altLang="en-US" smtClean="0"/>
-              <a:t>28/2/2023</a:t>
+              <a:t>8/4/2023</a:t>
             </a:fld>
             <a:endParaRPr lang="zh-SG" altLang="en-US"/>
           </a:p>
@@ -2274,7 +2274,7 @@
           <a:p>
             <a:fld id="{36E73D1F-3176-4520-BDE7-8CC1C6F46FF4}" type="datetimeFigureOut">
               <a:rPr lang="zh-SG" altLang="en-US" smtClean="0"/>
-              <a:t>28/2/2023</a:t>
+              <a:t>8/4/2023</a:t>
             </a:fld>
             <a:endParaRPr lang="zh-SG" altLang="en-US"/>
           </a:p>
@@ -2416,7 +2416,7 @@
           <a:p>
             <a:fld id="{36E73D1F-3176-4520-BDE7-8CC1C6F46FF4}" type="datetimeFigureOut">
               <a:rPr lang="zh-SG" altLang="en-US" smtClean="0"/>
-              <a:t>28/2/2023</a:t>
+              <a:t>8/4/2023</a:t>
             </a:fld>
             <a:endParaRPr lang="zh-SG" altLang="en-US"/>
           </a:p>
@@ -2529,7 +2529,7 @@
           <a:p>
             <a:fld id="{36E73D1F-3176-4520-BDE7-8CC1C6F46FF4}" type="datetimeFigureOut">
               <a:rPr lang="zh-SG" altLang="en-US" smtClean="0"/>
-              <a:t>28/2/2023</a:t>
+              <a:t>8/4/2023</a:t>
             </a:fld>
             <a:endParaRPr lang="zh-SG" altLang="en-US"/>
           </a:p>
@@ -2842,7 +2842,7 @@
           <a:p>
             <a:fld id="{36E73D1F-3176-4520-BDE7-8CC1C6F46FF4}" type="datetimeFigureOut">
               <a:rPr lang="zh-SG" altLang="en-US" smtClean="0"/>
-              <a:t>28/2/2023</a:t>
+              <a:t>8/4/2023</a:t>
             </a:fld>
             <a:endParaRPr lang="zh-SG" altLang="en-US"/>
           </a:p>
@@ -3131,7 +3131,7 @@
           <a:p>
             <a:fld id="{36E73D1F-3176-4520-BDE7-8CC1C6F46FF4}" type="datetimeFigureOut">
               <a:rPr lang="zh-SG" altLang="en-US" smtClean="0"/>
-              <a:t>28/2/2023</a:t>
+              <a:t>8/4/2023</a:t>
             </a:fld>
             <a:endParaRPr lang="zh-SG" altLang="en-US"/>
           </a:p>
@@ -3374,7 +3374,7 @@
           <a:p>
             <a:fld id="{36E73D1F-3176-4520-BDE7-8CC1C6F46FF4}" type="datetimeFigureOut">
               <a:rPr lang="zh-SG" altLang="en-US" smtClean="0"/>
-              <a:t>28/2/2023</a:t>
+              <a:t>8/4/2023</a:t>
             </a:fld>
             <a:endParaRPr lang="zh-SG" altLang="en-US"/>
           </a:p>
@@ -5292,7 +5292,7 @@
         <p:spPr>
           <a:xfrm>
             <a:off x="7251192" y="1562679"/>
-            <a:ext cx="3444022" cy="369332"/>
+            <a:ext cx="3444022" cy="646331"/>
           </a:xfrm>
           <a:prstGeom prst="rect">
             <a:avLst/>
@@ -5306,68 +5306,17 @@
           <a:lstStyle/>
           <a:p>
             <a:r>
+              <a:rPr lang="zh-CN" altLang="en-US" b="1" dirty="0"/>
+              <a:t>采样线程</a:t>
+            </a:r>
+            <a:endParaRPr lang="en-US" altLang="zh-CN" b="1" dirty="0"/>
+          </a:p>
+          <a:p>
+            <a:r>
               <a:rPr lang="zh-CN" altLang="en-US" dirty="0"/>
               <a:t>并发地朴素蓄水池抽样</a:t>
             </a:r>
             <a:endParaRPr lang="en-US" altLang="zh-CN" dirty="0"/>
-          </a:p>
-        </p:txBody>
-      </p:sp>
-      <p:sp>
-        <p:nvSpPr>
-          <p:cNvPr id="12" name="矩形: 圆角 11">
-            <a:extLst>
-              <a:ext uri="{FF2B5EF4-FFF2-40B4-BE49-F238E27FC236}">
-                <a16:creationId xmlns:a16="http://schemas.microsoft.com/office/drawing/2014/main" id="{AC2F8123-D148-4D41-9854-0C46E848BD44}"/>
-              </a:ext>
-            </a:extLst>
-          </p:cNvPr>
-          <p:cNvSpPr/>
-          <p:nvPr/>
-        </p:nvSpPr>
-        <p:spPr>
-          <a:xfrm>
-            <a:off x="5061205" y="3317712"/>
-            <a:ext cx="1271012" cy="1958376"/>
-          </a:xfrm>
-          <a:prstGeom prst="roundRect">
-            <a:avLst/>
-          </a:prstGeom>
-        </p:spPr>
-        <p:style>
-          <a:lnRef idx="2">
-            <a:schemeClr val="accent3">
-              <a:shade val="50000"/>
-            </a:schemeClr>
-          </a:lnRef>
-          <a:fillRef idx="1">
-            <a:schemeClr val="accent3"/>
-          </a:fillRef>
-          <a:effectRef idx="0">
-            <a:schemeClr val="accent3"/>
-          </a:effectRef>
-          <a:fontRef idx="minor">
-            <a:schemeClr val="lt1"/>
-          </a:fontRef>
-        </p:style>
-        <p:txBody>
-          <a:bodyPr rtlCol="0" anchor="ctr"/>
-          <a:lstStyle/>
-          <a:p>
-            <a:pPr algn="ctr"/>
-            <a:r>
-              <a:rPr lang="zh-CN" altLang="en-US" dirty="0">
-                <a:solidFill>
-                  <a:schemeClr val="tx1"/>
-                </a:solidFill>
-              </a:rPr>
-              <a:t>阻塞队列</a:t>
-            </a:r>
-            <a:endParaRPr lang="zh-SG" altLang="en-US" dirty="0">
-              <a:solidFill>
-                <a:schemeClr val="tx1"/>
-              </a:solidFill>
-            </a:endParaRPr>
           </a:p>
         </p:txBody>
       </p:sp>
@@ -5617,7 +5566,7 @@
         <p:spPr>
           <a:xfrm>
             <a:off x="908304" y="4733478"/>
-            <a:ext cx="2577845" cy="369332"/>
+            <a:ext cx="2577845" cy="646331"/>
           </a:xfrm>
           <a:prstGeom prst="rect">
             <a:avLst/>
@@ -5629,6 +5578,13 @@
             <a:spAutoFit/>
           </a:bodyPr>
           <a:lstStyle/>
+          <a:p>
+            <a:r>
+              <a:rPr lang="zh-CN" altLang="en-US" b="1" dirty="0"/>
+              <a:t>合并线程</a:t>
+            </a:r>
+            <a:endParaRPr lang="en-US" altLang="zh-CN" b="1" dirty="0"/>
+          </a:p>
           <a:p>
             <a:r>
               <a:rPr lang="zh-CN" altLang="en-US" dirty="0"/>
@@ -5692,7 +5648,7 @@
         <p:spPr>
           <a:xfrm>
             <a:off x="4178809" y="6062472"/>
-            <a:ext cx="3072383" cy="646331"/>
+            <a:ext cx="3287392" cy="646331"/>
           </a:xfrm>
           <a:prstGeom prst="rect">
             <a:avLst/>
@@ -5707,7 +5663,7 @@
           <a:p>
             <a:r>
               <a:rPr lang="zh-CN" altLang="en-US" dirty="0"/>
-              <a:t>当栈中只有一个抽样结果时，</a:t>
+              <a:t>当队列中只有一个抽样结果时，</a:t>
             </a:r>
             <a:endParaRPr lang="en-US" altLang="zh-CN" dirty="0"/>
           </a:p>
@@ -5809,7 +5765,7 @@
             <a:p>
               <a:r>
                 <a:rPr lang="zh-CN" altLang="en-US" sz="1400" dirty="0"/>
-                <a:t>出栈两个抽样结果</a:t>
+                <a:t>出队两个抽样结果</a:t>
               </a:r>
               <a:endParaRPr lang="zh-SG" altLang="en-US" sz="1400" dirty="0"/>
             </a:p>
@@ -5907,7 +5863,7 @@
             <a:p>
               <a:r>
                 <a:rPr lang="zh-CN" altLang="en-US" sz="1400" dirty="0"/>
-                <a:t>压栈一个合并好的抽样结果</a:t>
+                <a:t>入队一个合并好的抽样结果</a:t>
               </a:r>
               <a:endParaRPr lang="zh-SG" altLang="en-US" sz="1400" dirty="0"/>
             </a:p>
@@ -5944,9 +5900,59 @@
           <a:p>
             <a:r>
               <a:rPr lang="zh-CN" altLang="en-US" sz="1400" dirty="0"/>
-              <a:t>压栈抽样结果</a:t>
+              <a:t>入队抽样结果</a:t>
             </a:r>
             <a:endParaRPr lang="zh-SG" altLang="en-US" sz="1400" dirty="0"/>
+          </a:p>
+        </p:txBody>
+      </p:sp>
+      <p:sp>
+        <p:nvSpPr>
+          <p:cNvPr id="3" name="矩形 2">
+            <a:extLst>
+              <a:ext uri="{FF2B5EF4-FFF2-40B4-BE49-F238E27FC236}">
+                <a16:creationId xmlns:a16="http://schemas.microsoft.com/office/drawing/2014/main" id="{B45C8AC0-C92A-4BE8-9B6D-3A7A05B22C93}"/>
+              </a:ext>
+            </a:extLst>
+          </p:cNvPr>
+          <p:cNvSpPr/>
+          <p:nvPr/>
+        </p:nvSpPr>
+        <p:spPr>
+          <a:xfrm>
+            <a:off x="5277394" y="3310128"/>
+            <a:ext cx="653135" cy="2011680"/>
+          </a:xfrm>
+          <a:prstGeom prst="rect">
+            <a:avLst/>
+          </a:prstGeom>
+        </p:spPr>
+        <p:style>
+          <a:lnRef idx="2">
+            <a:schemeClr val="accent3">
+              <a:shade val="50000"/>
+            </a:schemeClr>
+          </a:lnRef>
+          <a:fillRef idx="1">
+            <a:schemeClr val="accent3"/>
+          </a:fillRef>
+          <a:effectRef idx="0">
+            <a:schemeClr val="accent3"/>
+          </a:effectRef>
+          <a:fontRef idx="minor">
+            <a:schemeClr val="lt1"/>
+          </a:fontRef>
+        </p:style>
+        <p:txBody>
+          <a:bodyPr rtlCol="0" anchor="ctr"/>
+          <a:lstStyle/>
+          <a:p>
+            <a:pPr algn="ctr"/>
+            <a:r>
+              <a:rPr lang="zh-CN" altLang="en-US" dirty="0"/>
+              <a:t>阻塞队列</a:t>
+            </a:r>
+            <a:endParaRPr lang="zh-SG" altLang="en-US" dirty="0"/>
           </a:p>
         </p:txBody>
       </p:sp>
